--- a/doc/XXL-JOB1.3.x架构图_20160528_1910.pptx
+++ b/doc/XXL-JOB1.3.x架构图_20160528_1910.pptx
@@ -12,9 +12,6 @@
     <p:sldId id="258" r:id="rId4"/>
     <p:sldId id="261" r:id="rId6"/>
     <p:sldId id="262" r:id="rId7"/>
-    <p:sldId id="263" r:id="rId8"/>
-    <p:sldId id="264" r:id="rId9"/>
-    <p:sldId id="265" r:id="rId10"/>
   </p:sldIdLst>
   <p:sldSz cx="12192000" cy="6858000"/>
   <p:notesSz cx="6858000" cy="9144000"/>
@@ -6575,132 +6572,6 @@
           <a:xfrm>
             <a:off x="72390" y="432435"/>
             <a:ext cx="12031980" cy="5346065"/>
-          </a:xfrm>
-          <a:prstGeom prst="rect">
-            <a:avLst/>
-          </a:prstGeom>
-        </p:spPr>
-      </p:pic>
-    </p:spTree>
-  </p:cSld>
-  <p:clrMapOvr>
-    <a:masterClrMapping/>
-  </p:clrMapOvr>
-</p:sld>
-</file>
-
-<file path=ppt/slides/slide5.xml><?xml version="1.0" encoding="utf-8"?>
-<p:sld xmlns:a="http://schemas.openxmlformats.org/drawingml/2006/main" xmlns:r="http://schemas.openxmlformats.org/officeDocument/2006/relationships" xmlns:p="http://schemas.openxmlformats.org/presentationml/2006/main">
-  <p:cSld>
-    <p:spTree>
-      <p:nvGrpSpPr>
-        <p:cNvPr id="1" name=""/>
-        <p:cNvGrpSpPr/>
-        <p:nvPr/>
-      </p:nvGrpSpPr>
-      <p:grpSpPr/>
-      <p:pic>
-        <p:nvPicPr>
-          <p:cNvPr id="4" name="图片 3" descr="QQ截图20160615095656"/>
-          <p:cNvPicPr>
-            <a:picLocks noChangeAspect="1"/>
-          </p:cNvPicPr>
-          <p:nvPr/>
-        </p:nvPicPr>
-        <p:blipFill>
-          <a:blip r:embed="rId1"/>
-          <a:stretch>
-            <a:fillRect/>
-          </a:stretch>
-        </p:blipFill>
-        <p:spPr>
-          <a:xfrm>
-            <a:off x="314960" y="476250"/>
-            <a:ext cx="11717020" cy="5422265"/>
-          </a:xfrm>
-          <a:prstGeom prst="rect">
-            <a:avLst/>
-          </a:prstGeom>
-        </p:spPr>
-      </p:pic>
-    </p:spTree>
-  </p:cSld>
-  <p:clrMapOvr>
-    <a:masterClrMapping/>
-  </p:clrMapOvr>
-</p:sld>
-</file>
-
-<file path=ppt/slides/slide6.xml><?xml version="1.0" encoding="utf-8"?>
-<p:sld xmlns:a="http://schemas.openxmlformats.org/drawingml/2006/main" xmlns:r="http://schemas.openxmlformats.org/officeDocument/2006/relationships" xmlns:p="http://schemas.openxmlformats.org/presentationml/2006/main">
-  <p:cSld>
-    <p:spTree>
-      <p:nvGrpSpPr>
-        <p:cNvPr id="1" name=""/>
-        <p:cNvGrpSpPr/>
-        <p:nvPr/>
-      </p:nvGrpSpPr>
-      <p:grpSpPr/>
-      <p:pic>
-        <p:nvPicPr>
-          <p:cNvPr id="4" name="图片 3" descr="QQ截图20160615095710"/>
-          <p:cNvPicPr>
-            <a:picLocks noChangeAspect="1"/>
-          </p:cNvPicPr>
-          <p:nvPr/>
-        </p:nvPicPr>
-        <p:blipFill>
-          <a:blip r:embed="rId1"/>
-          <a:stretch>
-            <a:fillRect/>
-          </a:stretch>
-        </p:blipFill>
-        <p:spPr>
-          <a:xfrm>
-            <a:off x="397510" y="738505"/>
-            <a:ext cx="11409045" cy="5239385"/>
-          </a:xfrm>
-          <a:prstGeom prst="rect">
-            <a:avLst/>
-          </a:prstGeom>
-        </p:spPr>
-      </p:pic>
-    </p:spTree>
-  </p:cSld>
-  <p:clrMapOvr>
-    <a:masterClrMapping/>
-  </p:clrMapOvr>
-</p:sld>
-</file>
-
-<file path=ppt/slides/slide7.xml><?xml version="1.0" encoding="utf-8"?>
-<p:sld xmlns:a="http://schemas.openxmlformats.org/drawingml/2006/main" xmlns:r="http://schemas.openxmlformats.org/officeDocument/2006/relationships" xmlns:p="http://schemas.openxmlformats.org/presentationml/2006/main">
-  <p:cSld>
-    <p:spTree>
-      <p:nvGrpSpPr>
-        <p:cNvPr id="1" name=""/>
-        <p:cNvGrpSpPr/>
-        <p:nvPr/>
-      </p:nvGrpSpPr>
-      <p:grpSpPr/>
-      <p:pic>
-        <p:nvPicPr>
-          <p:cNvPr id="4" name="图片 3" descr="QQ截图20160615095724"/>
-          <p:cNvPicPr>
-            <a:picLocks noChangeAspect="1"/>
-          </p:cNvPicPr>
-          <p:nvPr/>
-        </p:nvPicPr>
-        <p:blipFill>
-          <a:blip r:embed="rId1"/>
-          <a:stretch>
-            <a:fillRect/>
-          </a:stretch>
-        </p:blipFill>
-        <p:spPr>
-          <a:xfrm>
-            <a:off x="283845" y="629920"/>
-            <a:ext cx="11819255" cy="5428615"/>
           </a:xfrm>
           <a:prstGeom prst="rect">
             <a:avLst/>
